--- a/Report/Research Paper PPT.pptx
+++ b/Report/Research Paper PPT.pptx
@@ -21,9 +21,8 @@
     <p:sldId id="271" r:id="rId15"/>
     <p:sldId id="272" r:id="rId16"/>
     <p:sldId id="273" r:id="rId17"/>
-    <p:sldId id="274" r:id="rId18"/>
-    <p:sldId id="275" r:id="rId19"/>
-    <p:sldId id="276" r:id="rId20"/>
+    <p:sldId id="275" r:id="rId18"/>
+    <p:sldId id="276" r:id="rId19"/>
   </p:sldIdLst>
   <p:sldSz cx="12192000" cy="6858000"/>
   <p:notesSz cx="6858000" cy="9144000"/>
@@ -122,13 +121,18 @@
       </a:defRPr>
     </a:lvl9pPr>
   </p:defaultTextStyle>
+  <p:extLst>
+    <p:ext uri="{EFAFB233-063F-42B5-8137-9DF3F51BA10A}">
+      <p15:sldGuideLst xmlns:p15="http://schemas.microsoft.com/office/powerpoint/2012/main"/>
+    </p:ext>
+  </p:extLst>
 </p:presentation>
 </file>
 
 <file path=ppt/charts/chart1.xml><?xml version="1.0" encoding="utf-8"?>
 <c:chartSpace xmlns:c="http://schemas.openxmlformats.org/drawingml/2006/chart" xmlns:a="http://schemas.openxmlformats.org/drawingml/2006/main" xmlns:r="http://schemas.openxmlformats.org/officeDocument/2006/relationships" xmlns:c16r2="http://schemas.microsoft.com/office/drawing/2015/06/chart">
   <c:date1904 val="0"/>
-  <c:lang val="en-US"/>
+  <c:lang val="en-GB"/>
   <c:roundedCorners val="0"/>
   <mc:AlternateContent xmlns:mc="http://schemas.openxmlformats.org/markup-compatibility/2006">
     <mc:Choice xmlns:c14="http://schemas.microsoft.com/office/drawing/2007/8/2/chart" Requires="c14">
@@ -635,7 +639,7 @@
 <file path=ppt/charts/chart2.xml><?xml version="1.0" encoding="utf-8"?>
 <c:chartSpace xmlns:c="http://schemas.openxmlformats.org/drawingml/2006/chart" xmlns:a="http://schemas.openxmlformats.org/drawingml/2006/main" xmlns:r="http://schemas.openxmlformats.org/officeDocument/2006/relationships" xmlns:c16r2="http://schemas.microsoft.com/office/drawing/2015/06/chart">
   <c:date1904 val="0"/>
-  <c:lang val="en-US"/>
+  <c:lang val="en-GB"/>
   <c:roundedCorners val="0"/>
   <mc:AlternateContent xmlns:mc="http://schemas.openxmlformats.org/markup-compatibility/2006">
     <mc:Choice xmlns:c14="http://schemas.microsoft.com/office/drawing/2007/8/2/chart" Requires="c14">
@@ -1141,7 +1145,7 @@
 <file path=ppt/charts/chart3.xml><?xml version="1.0" encoding="utf-8"?>
 <c:chartSpace xmlns:c="http://schemas.openxmlformats.org/drawingml/2006/chart" xmlns:a="http://schemas.openxmlformats.org/drawingml/2006/main" xmlns:r="http://schemas.openxmlformats.org/officeDocument/2006/relationships" xmlns:c16r2="http://schemas.microsoft.com/office/drawing/2015/06/chart">
   <c:date1904 val="0"/>
-  <c:lang val="en-US"/>
+  <c:lang val="en-GB"/>
   <c:roundedCorners val="0"/>
   <mc:AlternateContent xmlns:mc="http://schemas.openxmlformats.org/markup-compatibility/2006">
     <mc:Choice xmlns:c14="http://schemas.microsoft.com/office/drawing/2007/8/2/chart" Requires="c14">
@@ -6764,18 +6768,11 @@
           </a:p>
           <a:p>
             <a:r>
-              <a:rPr lang="en-US" dirty="0" err="1">
-                <a:latin typeface="Times New Roman" panose="02020603050405020304" pitchFamily="18" charset="0"/>
-                <a:cs typeface="Times New Roman" panose="02020603050405020304" pitchFamily="18" charset="0"/>
-              </a:rPr>
-              <a:t>Immersiveness</a:t>
-            </a:r>
-            <a:r>
               <a:rPr lang="en-US" dirty="0">
                 <a:latin typeface="Times New Roman" panose="02020603050405020304" pitchFamily="18" charset="0"/>
                 <a:cs typeface="Times New Roman" panose="02020603050405020304" pitchFamily="18" charset="0"/>
               </a:rPr>
-              <a:t> is the key attraction, offering accurate simulations and experiential learning without real-world risks.</a:t>
+              <a:t>Immersiveness is the key attraction, offering accurate simulations and experiential learning without real-world risks.</a:t>
             </a:r>
           </a:p>
           <a:p>
@@ -8427,7 +8424,7 @@
             <p:ph idx="1"/>
             <p:extLst>
               <p:ext uri="{D42A27DB-BD31-4B8C-83A1-F6EECF244321}">
-                <p14:modId xmlns:p14="http://schemas.microsoft.com/office/powerpoint/2010/main" val="431590317"/>
+                <p14:modId xmlns:p14="http://schemas.microsoft.com/office/powerpoint/2010/main" val="333901040"/>
               </p:ext>
             </p:extLst>
           </p:nvPr>
@@ -8527,7 +8524,7 @@
                           <a:ea typeface="+mn-ea"/>
                           <a:cs typeface="Times New Roman" panose="02020603050405020304" pitchFamily="18" charset="0"/>
                         </a:rPr>
-                        <a:t>Arkit</a:t>
+                        <a:t>ARkit</a:t>
                       </a:r>
                       <a:endParaRPr lang="en-IN" dirty="0">
                         <a:latin typeface="Times New Roman" panose="02020603050405020304" pitchFamily="18" charset="0"/>
@@ -10551,7 +10548,7 @@
                         </a:spcAft>
                       </a:pPr>
                       <a:r>
-                        <a:rPr lang="en-IN" sz="1400" kern="100">
+                        <a:rPr lang="en-IN" sz="1400" kern="100" dirty="0">
                           <a:effectLst/>
                           <a:latin typeface="Times New Roman" panose="02020603050405020304" pitchFamily="18" charset="0"/>
                           <a:ea typeface="Calibri" panose="020F0502020204030204" pitchFamily="34" charset="0"/>
@@ -10559,7 +10556,7 @@
                         </a:rPr>
                         <a:t>Gaming, Entertainment, Fitness and Wellness, Travel, Design and playing virtually with friends</a:t>
                       </a:r>
-                      <a:endParaRPr lang="en-IN" sz="1200" kern="100">
+                      <a:endParaRPr lang="en-IN" sz="1200" kern="100" dirty="0">
                         <a:effectLst/>
                         <a:latin typeface="Calibri" panose="020F0502020204030204" pitchFamily="34" charset="0"/>
                         <a:ea typeface="Calibri" panose="020F0502020204030204" pitchFamily="34" charset="0"/>
@@ -11105,18 +11102,34 @@
             <p:ph type="title"/>
           </p:nvPr>
         </p:nvSpPr>
-        <p:spPr/>
+        <p:spPr>
+          <a:xfrm>
+            <a:off x="838200" y="154109"/>
+            <a:ext cx="10515600" cy="1325563"/>
+          </a:xfrm>
+        </p:spPr>
         <p:txBody>
           <a:bodyPr/>
           <a:lstStyle/>
           <a:p>
             <a:r>
-              <a:rPr lang="en-IN" b="1" dirty="0">
+              <a:rPr lang="en-IN" b="0" i="0" dirty="0">
+                <a:solidFill>
+                  <a:srgbClr val="0D0D0D"/>
+                </a:solidFill>
+                <a:effectLst/>
+                <a:highlight>
+                  <a:srgbClr val="FFFFFF"/>
+                </a:highlight>
                 <a:latin typeface="Times New Roman" panose="02020603050405020304" pitchFamily="18" charset="0"/>
                 <a:cs typeface="Times New Roman" panose="02020603050405020304" pitchFamily="18" charset="0"/>
               </a:rPr>
-              <a:t>Discussion on Recent Trend</a:t>
+              <a:t>Apple Vison Pro: Current AR/VR trend</a:t>
             </a:r>
+            <a:endParaRPr lang="en-IN" b="1" dirty="0">
+              <a:latin typeface="Times New Roman" panose="02020603050405020304" pitchFamily="18" charset="0"/>
+              <a:cs typeface="Times New Roman" panose="02020603050405020304" pitchFamily="18" charset="0"/>
+            </a:endParaRPr>
           </a:p>
         </p:txBody>
       </p:sp>
@@ -11138,24 +11151,10 @@
         </p:nvSpPr>
         <p:spPr/>
         <p:txBody>
-          <a:bodyPr/>
+          <a:bodyPr>
+            <a:normAutofit fontScale="92500"/>
+          </a:bodyPr>
           <a:lstStyle/>
-          <a:p>
-            <a:r>
-              <a:rPr lang="en-IN" b="0" i="0" dirty="0">
-                <a:solidFill>
-                  <a:srgbClr val="0D0D0D"/>
-                </a:solidFill>
-                <a:effectLst/>
-                <a:highlight>
-                  <a:srgbClr val="FFFFFF"/>
-                </a:highlight>
-                <a:latin typeface="Times New Roman" panose="02020603050405020304" pitchFamily="18" charset="0"/>
-                <a:cs typeface="Times New Roman" panose="02020603050405020304" pitchFamily="18" charset="0"/>
-              </a:rPr>
-              <a:t>Apple Vison Pro: Current AR/VR trend:</a:t>
-            </a:r>
-          </a:p>
           <a:p>
             <a:r>
               <a:rPr lang="en-US" dirty="0">
@@ -11189,7 +11188,7 @@
                 <a:latin typeface="Times New Roman" panose="02020603050405020304" pitchFamily="18" charset="0"/>
                 <a:cs typeface="Times New Roman" panose="02020603050405020304" pitchFamily="18" charset="0"/>
               </a:rPr>
-              <a:t>Available in 256GB, 512GB, and 1TB storage variants.</a:t>
+              <a:t>Despite its higher price and shorter battery life, the Vision Pro has exceeded sales expectations.</a:t>
             </a:r>
           </a:p>
           <a:p>
@@ -11198,8 +11197,37 @@
                 <a:latin typeface="Times New Roman" panose="02020603050405020304" pitchFamily="18" charset="0"/>
                 <a:cs typeface="Times New Roman" panose="02020603050405020304" pitchFamily="18" charset="0"/>
               </a:rPr>
-              <a:t>Priced at $3,499, $3,699, and $3,899 respectively.</a:t>
+              <a:t>Initial sales projections of 150,000 to 200,000 units surpassed, with sales exceeding 200,000 units.</a:t>
             </a:r>
+          </a:p>
+          <a:p>
+            <a:r>
+              <a:rPr lang="en-US" dirty="0">
+                <a:latin typeface="Times New Roman" panose="02020603050405020304" pitchFamily="18" charset="0"/>
+                <a:cs typeface="Times New Roman" panose="02020603050405020304" pitchFamily="18" charset="0"/>
+              </a:rPr>
+              <a:t>Return percentages dropped to 1%, indicating high customer satisfaction.</a:t>
+            </a:r>
+          </a:p>
+          <a:p>
+            <a:pPr marL="0" indent="0">
+              <a:buNone/>
+            </a:pPr>
+            <a:endParaRPr lang="en-US" dirty="0">
+              <a:latin typeface="Times New Roman" panose="02020603050405020304" pitchFamily="18" charset="0"/>
+              <a:cs typeface="Times New Roman" panose="02020603050405020304" pitchFamily="18" charset="0"/>
+            </a:endParaRPr>
+          </a:p>
+          <a:p>
+            <a:pPr marL="0" indent="0">
+              <a:buNone/>
+            </a:pPr>
+            <a:endParaRPr lang="en-IN" dirty="0">
+              <a:latin typeface="Times New Roman" panose="02020603050405020304" pitchFamily="18" charset="0"/>
+              <a:cs typeface="Times New Roman" panose="02020603050405020304" pitchFamily="18" charset="0"/>
+            </a:endParaRPr>
+          </a:p>
+          <a:p>
             <a:endParaRPr lang="en-IN" dirty="0">
               <a:latin typeface="Times New Roman" panose="02020603050405020304" pitchFamily="18" charset="0"/>
               <a:cs typeface="Times New Roman" panose="02020603050405020304" pitchFamily="18" charset="0"/>
@@ -11221,96 +11249,6 @@
 </file>
 
 <file path=ppt/slides/slide17.xml><?xml version="1.0" encoding="utf-8"?>
-<p:sld xmlns:a="http://schemas.openxmlformats.org/drawingml/2006/main" xmlns:r="http://schemas.openxmlformats.org/officeDocument/2006/relationships" xmlns:p="http://schemas.openxmlformats.org/presentationml/2006/main">
-  <p:cSld>
-    <p:spTree>
-      <p:nvGrpSpPr>
-        <p:cNvPr id="1" name=""/>
-        <p:cNvGrpSpPr/>
-        <p:nvPr/>
-      </p:nvGrpSpPr>
-      <p:grpSpPr>
-        <a:xfrm>
-          <a:off x="0" y="0"/>
-          <a:ext cx="0" cy="0"/>
-          <a:chOff x="0" y="0"/>
-          <a:chExt cx="0" cy="0"/>
-        </a:xfrm>
-      </p:grpSpPr>
-      <p:sp>
-        <p:nvSpPr>
-          <p:cNvPr id="3" name="Content Placeholder 2">
-            <a:extLst>
-              <a:ext uri="{FF2B5EF4-FFF2-40B4-BE49-F238E27FC236}">
-                <a16:creationId xmlns:a16="http://schemas.microsoft.com/office/drawing/2014/main" id="{D48FD677-86A0-4FD8-CD79-FEEFDC74E3B8}"/>
-              </a:ext>
-            </a:extLst>
-          </p:cNvPr>
-          <p:cNvSpPr>
-            <a:spLocks noGrp="1"/>
-          </p:cNvSpPr>
-          <p:nvPr>
-            <p:ph idx="1"/>
-          </p:nvPr>
-        </p:nvSpPr>
-        <p:spPr>
-          <a:xfrm>
-            <a:off x="737937" y="513347"/>
-            <a:ext cx="10615863" cy="5663616"/>
-          </a:xfrm>
-        </p:spPr>
-        <p:txBody>
-          <a:bodyPr/>
-          <a:lstStyle/>
-          <a:p>
-            <a:r>
-              <a:rPr lang="en-US" dirty="0">
-                <a:latin typeface="Times New Roman" panose="02020603050405020304" pitchFamily="18" charset="0"/>
-                <a:cs typeface="Times New Roman" panose="02020603050405020304" pitchFamily="18" charset="0"/>
-              </a:rPr>
-              <a:t>Despite its higher price and shorter battery life, the Vision Pro has exceeded sales expectations.</a:t>
-            </a:r>
-          </a:p>
-          <a:p>
-            <a:r>
-              <a:rPr lang="en-US" dirty="0">
-                <a:latin typeface="Times New Roman" panose="02020603050405020304" pitchFamily="18" charset="0"/>
-                <a:cs typeface="Times New Roman" panose="02020603050405020304" pitchFamily="18" charset="0"/>
-              </a:rPr>
-              <a:t>Initial sales projections of 150,000 to 200,000 units surpassed, with sales exceeding 200,000 units.</a:t>
-            </a:r>
-          </a:p>
-          <a:p>
-            <a:r>
-              <a:rPr lang="en-US" dirty="0">
-                <a:latin typeface="Times New Roman" panose="02020603050405020304" pitchFamily="18" charset="0"/>
-                <a:cs typeface="Times New Roman" panose="02020603050405020304" pitchFamily="18" charset="0"/>
-              </a:rPr>
-              <a:t>Return percentages dropped to 1%, indicating high customer satisfaction.</a:t>
-            </a:r>
-          </a:p>
-          <a:p>
-            <a:endParaRPr lang="en-IN" dirty="0">
-              <a:latin typeface="Times New Roman" panose="02020603050405020304" pitchFamily="18" charset="0"/>
-              <a:cs typeface="Times New Roman" panose="02020603050405020304" pitchFamily="18" charset="0"/>
-            </a:endParaRPr>
-          </a:p>
-        </p:txBody>
-      </p:sp>
-    </p:spTree>
-    <p:extLst>
-      <p:ext uri="{BB962C8B-B14F-4D97-AF65-F5344CB8AC3E}">
-        <p14:creationId xmlns:p14="http://schemas.microsoft.com/office/powerpoint/2010/main" val="1028512287"/>
-      </p:ext>
-    </p:extLst>
-  </p:cSld>
-  <p:clrMapOvr>
-    <a:masterClrMapping/>
-  </p:clrMapOvr>
-</p:sld>
-</file>
-
-<file path=ppt/slides/slide18.xml><?xml version="1.0" encoding="utf-8"?>
 <p:sld xmlns:a="http://schemas.openxmlformats.org/drawingml/2006/main" xmlns:r="http://schemas.openxmlformats.org/officeDocument/2006/relationships" xmlns:p="http://schemas.openxmlformats.org/presentationml/2006/main">
   <p:cSld>
     <p:spTree>
@@ -11380,7 +11318,9 @@
         </p:nvSpPr>
         <p:spPr/>
         <p:txBody>
-          <a:bodyPr/>
+          <a:bodyPr>
+            <a:normAutofit lnSpcReduction="10000"/>
+          </a:bodyPr>
           <a:lstStyle/>
           <a:p>
             <a:r>
@@ -11388,7 +11328,34 @@
                 <a:latin typeface="Times New Roman" panose="02020603050405020304" pitchFamily="18" charset="0"/>
                 <a:cs typeface="Times New Roman" panose="02020603050405020304" pitchFamily="18" charset="0"/>
               </a:rPr>
-              <a:t>The Usage and implementation of AR/VR is projected to keep increasing with the same boom as more implementations are added so will sales and market size of AR/VR will increase. This increase in implementations will bring positive impacts to user, companies, the field AR/VR. With the increasing performance from implementations, more convenient and well implemented devices will come to the commercial AR/VR products market, it’s a given these products will do well in said market. It is noted, that all three hypotheses converge and affect each other with various points of connection.</a:t>
+              <a:t>The Usage and implementation of AR/VR is projected to keep increasing with the same boom as more implementations are added so will sales and market size of AR/VR will increase. </a:t>
+            </a:r>
+          </a:p>
+          <a:p>
+            <a:r>
+              <a:rPr lang="en-US" dirty="0">
+                <a:latin typeface="Times New Roman" panose="02020603050405020304" pitchFamily="18" charset="0"/>
+                <a:cs typeface="Times New Roman" panose="02020603050405020304" pitchFamily="18" charset="0"/>
+              </a:rPr>
+              <a:t>This increase in implementations will bring positive impacts to user, companies, the field AR/VR. </a:t>
+            </a:r>
+          </a:p>
+          <a:p>
+            <a:r>
+              <a:rPr lang="en-US" dirty="0">
+                <a:latin typeface="Times New Roman" panose="02020603050405020304" pitchFamily="18" charset="0"/>
+                <a:cs typeface="Times New Roman" panose="02020603050405020304" pitchFamily="18" charset="0"/>
+              </a:rPr>
+              <a:t>With the increasing performance from implementations, more convenient and well implemented devices will come to the commercial AR/VR products market, it’s a given these products will do well in said market. </a:t>
+            </a:r>
+          </a:p>
+          <a:p>
+            <a:r>
+              <a:rPr lang="en-US" dirty="0">
+                <a:latin typeface="Times New Roman" panose="02020603050405020304" pitchFamily="18" charset="0"/>
+                <a:cs typeface="Times New Roman" panose="02020603050405020304" pitchFamily="18" charset="0"/>
+              </a:rPr>
+              <a:t>It is noted, that all three hypotheses converge and affect each other with various points of connection.</a:t>
             </a:r>
             <a:endParaRPr lang="en-IN" dirty="0">
               <a:latin typeface="Times New Roman" panose="02020603050405020304" pitchFamily="18" charset="0"/>
@@ -11410,7 +11377,7 @@
 </p:sld>
 </file>
 
-<file path=ppt/slides/slide19.xml><?xml version="1.0" encoding="utf-8"?>
+<file path=ppt/slides/slide18.xml><?xml version="1.0" encoding="utf-8"?>
 <p:sld xmlns:a="http://schemas.openxmlformats.org/drawingml/2006/main" xmlns:r="http://schemas.openxmlformats.org/officeDocument/2006/relationships" xmlns:p="http://schemas.openxmlformats.org/presentationml/2006/main">
   <p:cSld>
     <p:spTree>
